--- a/Propuesta_de_Proyecto.pptx
+++ b/Propuesta_de_Proyecto.pptx
@@ -118,7 +118,7 @@
   </p:defaultTextStyle>
   <p:extLst>
     <p:ext uri="{EFAFB233-063F-42B5-8137-9DF3F51BA10A}">
-      <p15:sldGuideLst xmlns:p15="http://schemas.microsoft.com/office/powerpoint/2012/main" xmlns="">
+      <p15:sldGuideLst xmlns="" xmlns:p15="http://schemas.microsoft.com/office/powerpoint/2012/main">
         <p15:guide id="1" orient="horz" pos="2160">
           <p15:clr>
             <a:srgbClr val="A4A3A4"/>
@@ -6177,7 +6177,7 @@
         </p:spPr>
         <p:txBody>
           <a:bodyPr>
-            <a:normAutofit lnSpcReduction="10000"/>
+            <a:normAutofit fontScale="92500" lnSpcReduction="20000"/>
           </a:bodyPr>
           <a:lstStyle/>
           <a:p>
@@ -6247,8 +6247,39 @@
                 <a:latin typeface="Times New Roman" panose="02020603050405020304" pitchFamily="18" charset="0"/>
                 <a:cs typeface="Times New Roman" panose="02020603050405020304" pitchFamily="18" charset="0"/>
               </a:rPr>
-              <a:t>David Hernandez</a:t>
-            </a:r>
+              <a:t>David </a:t>
+            </a:r>
+            <a:r>
+              <a:rPr lang="es-ES" dirty="0" err="1" smtClean="0">
+                <a:latin typeface="Times New Roman" panose="02020603050405020304" pitchFamily="18" charset="0"/>
+                <a:cs typeface="Times New Roman" panose="02020603050405020304" pitchFamily="18" charset="0"/>
+              </a:rPr>
+              <a:t>Hernandez</a:t>
+            </a:r>
+            <a:endParaRPr lang="es-ES" dirty="0" smtClean="0">
+              <a:latin typeface="Times New Roman" panose="02020603050405020304" pitchFamily="18" charset="0"/>
+              <a:cs typeface="Times New Roman" panose="02020603050405020304" pitchFamily="18" charset="0"/>
+            </a:endParaRPr>
+          </a:p>
+          <a:p>
+            <a:r>
+              <a:rPr lang="es-ES" dirty="0" err="1" smtClean="0">
+                <a:latin typeface="Times New Roman" panose="02020603050405020304" pitchFamily="18" charset="0"/>
+                <a:cs typeface="Times New Roman" panose="02020603050405020304" pitchFamily="18" charset="0"/>
+              </a:rPr>
+              <a:t>Josue</a:t>
+            </a:r>
+            <a:r>
+              <a:rPr lang="es-ES" dirty="0" smtClean="0">
+                <a:latin typeface="Times New Roman" panose="02020603050405020304" pitchFamily="18" charset="0"/>
+                <a:cs typeface="Times New Roman" panose="02020603050405020304" pitchFamily="18" charset="0"/>
+              </a:rPr>
+              <a:t> Cando</a:t>
+            </a:r>
+            <a:endParaRPr lang="es-ES" dirty="0">
+              <a:latin typeface="Times New Roman" panose="02020603050405020304" pitchFamily="18" charset="0"/>
+              <a:cs typeface="Times New Roman" panose="02020603050405020304" pitchFamily="18" charset="0"/>
+            </a:endParaRPr>
           </a:p>
         </p:txBody>
       </p:sp>
@@ -8190,7 +8221,7 @@
   <a:extraClrSchemeLst/>
   <a:extLst>
     <a:ext uri="{05A4C25C-085E-4340-85A3-A5531E510DB2}">
-      <thm15:themeFamily xmlns:thm15="http://schemas.microsoft.com/office/thememl/2012/main" xmlns="" name="Parallax" id="{3388167B-A2EB-4685-9635-1831D9AEF8C4}" vid="{4F7A876A-7598-49CA-AFC8-8EDA2551E4A7}"/>
+      <thm15:themeFamily xmlns="" xmlns:thm15="http://schemas.microsoft.com/office/thememl/2012/main" name="Parallax" id="{3388167B-A2EB-4685-9635-1831D9AEF8C4}" vid="{4F7A876A-7598-49CA-AFC8-8EDA2551E4A7}"/>
     </a:ext>
   </a:extLst>
 </a:theme>

--- a/Propuesta_de_Proyecto.pptx
+++ b/Propuesta_de_Proyecto.pptx
@@ -1,6 +1,6 @@
 
 <file path=ppt/presentation.xml><?xml version="1.0" encoding="utf-8"?>
-<p:presentation xmlns:a="http://schemas.openxmlformats.org/drawingml/2006/main" xmlns:r="http://schemas.openxmlformats.org/officeDocument/2006/relationships" xmlns:p="http://schemas.openxmlformats.org/presentationml/2006/main" autoCompressPictures="0">
+<p:presentation xmlns:a="http://schemas.openxmlformats.org/drawingml/2006/main" xmlns:r="http://schemas.openxmlformats.org/officeDocument/2006/relationships" xmlns:p="http://schemas.openxmlformats.org/presentationml/2006/main" autoCompressPictures="0" bookmarkIdSeed="3">
   <p:sldMasterIdLst>
     <p:sldMasterId id="2147483648" r:id="rId1"/>
   </p:sldMasterIdLst>
@@ -13,11 +13,13 @@
     <p:sldId id="264" r:id="rId7"/>
     <p:sldId id="258" r:id="rId8"/>
     <p:sldId id="265" r:id="rId9"/>
-    <p:sldId id="266" r:id="rId10"/>
-    <p:sldId id="268" r:id="rId11"/>
-    <p:sldId id="269" r:id="rId12"/>
-    <p:sldId id="259" r:id="rId13"/>
-    <p:sldId id="267" r:id="rId14"/>
+    <p:sldId id="270" r:id="rId10"/>
+    <p:sldId id="266" r:id="rId11"/>
+    <p:sldId id="268" r:id="rId12"/>
+    <p:sldId id="269" r:id="rId13"/>
+    <p:sldId id="271" r:id="rId14"/>
+    <p:sldId id="259" r:id="rId15"/>
+    <p:sldId id="267" r:id="rId16"/>
   </p:sldIdLst>
   <p:sldSz cx="12192000" cy="6858000"/>
   <p:notesSz cx="6858000" cy="9144000"/>
@@ -118,7 +120,7 @@
   </p:defaultTextStyle>
   <p:extLst>
     <p:ext uri="{EFAFB233-063F-42B5-8137-9DF3F51BA10A}">
-      <p15:sldGuideLst xmlns="" xmlns:p15="http://schemas.microsoft.com/office/powerpoint/2012/main">
+      <p15:sldGuideLst xmlns:p15="http://schemas.microsoft.com/office/powerpoint/2012/main">
         <p15:guide id="1" orient="horz" pos="2160">
           <p15:clr>
             <a:srgbClr val="A4A3A4"/>
@@ -638,7 +640,7 @@
             <a:fld id="{B61BEF0D-F0BB-DE4B-95CE-6DB70DBA9567}" type="datetimeFigureOut">
               <a:rPr lang="en-US" dirty="0"/>
               <a:pPr/>
-              <a:t>1/10/2017</a:t>
+              <a:t>1/11/2017</a:t>
             </a:fld>
             <a:endParaRPr lang="en-US" dirty="0"/>
           </a:p>
@@ -931,7 +933,7 @@
             <a:fld id="{B61BEF0D-F0BB-DE4B-95CE-6DB70DBA9567}" type="datetimeFigureOut">
               <a:rPr lang="en-US" dirty="0"/>
               <a:pPr/>
-              <a:t>1/10/2017</a:t>
+              <a:t>1/11/2017</a:t>
             </a:fld>
             <a:endParaRPr lang="en-US" dirty="0"/>
           </a:p>
@@ -1176,7 +1178,7 @@
             <a:fld id="{B61BEF0D-F0BB-DE4B-95CE-6DB70DBA9567}" type="datetimeFigureOut">
               <a:rPr lang="en-US" dirty="0"/>
               <a:pPr/>
-              <a:t>1/10/2017</a:t>
+              <a:t>1/11/2017</a:t>
             </a:fld>
             <a:endParaRPr lang="en-US" dirty="0"/>
           </a:p>
@@ -1713,7 +1715,7 @@
             <a:fld id="{B61BEF0D-F0BB-DE4B-95CE-6DB70DBA9567}" type="datetimeFigureOut">
               <a:rPr lang="en-US" dirty="0"/>
               <a:pPr/>
-              <a:t>1/10/2017</a:t>
+              <a:t>1/11/2017</a:t>
             </a:fld>
             <a:endParaRPr lang="en-US" dirty="0"/>
           </a:p>
@@ -1958,7 +1960,7 @@
             <a:fld id="{B61BEF0D-F0BB-DE4B-95CE-6DB70DBA9567}" type="datetimeFigureOut">
               <a:rPr lang="en-US" dirty="0"/>
               <a:pPr/>
-              <a:t>1/10/2017</a:t>
+              <a:t>1/11/2017</a:t>
             </a:fld>
             <a:endParaRPr lang="en-US" dirty="0"/>
           </a:p>
@@ -2487,7 +2489,7 @@
             <a:fld id="{B61BEF0D-F0BB-DE4B-95CE-6DB70DBA9567}" type="datetimeFigureOut">
               <a:rPr lang="en-US" dirty="0"/>
               <a:pPr/>
-              <a:t>1/10/2017</a:t>
+              <a:t>1/11/2017</a:t>
             </a:fld>
             <a:endParaRPr lang="en-US" dirty="0"/>
           </a:p>
@@ -2781,7 +2783,7 @@
             <a:fld id="{B61BEF0D-F0BB-DE4B-95CE-6DB70DBA9567}" type="datetimeFigureOut">
               <a:rPr lang="en-US" dirty="0"/>
               <a:pPr/>
-              <a:t>1/10/2017</a:t>
+              <a:t>1/11/2017</a:t>
             </a:fld>
             <a:endParaRPr lang="en-US" dirty="0"/>
           </a:p>
@@ -2952,7 +2954,7 @@
             <a:fld id="{B61BEF0D-F0BB-DE4B-95CE-6DB70DBA9567}" type="datetimeFigureOut">
               <a:rPr lang="en-US" dirty="0"/>
               <a:pPr/>
-              <a:t>1/10/2017</a:t>
+              <a:t>1/11/2017</a:t>
             </a:fld>
             <a:endParaRPr lang="en-US" dirty="0"/>
           </a:p>
@@ -3129,7 +3131,7 @@
             <a:fld id="{B61BEF0D-F0BB-DE4B-95CE-6DB70DBA9567}" type="datetimeFigureOut">
               <a:rPr lang="en-US" dirty="0"/>
               <a:pPr/>
-              <a:t>1/10/2017</a:t>
+              <a:t>1/11/2017</a:t>
             </a:fld>
             <a:endParaRPr lang="en-US" dirty="0"/>
           </a:p>
@@ -3296,7 +3298,7 @@
             <a:fld id="{B61BEF0D-F0BB-DE4B-95CE-6DB70DBA9567}" type="datetimeFigureOut">
               <a:rPr lang="en-US" dirty="0"/>
               <a:pPr/>
-              <a:t>1/10/2017</a:t>
+              <a:t>1/11/2017</a:t>
             </a:fld>
             <a:endParaRPr lang="en-US" dirty="0"/>
           </a:p>
@@ -3544,7 +3546,7 @@
             <a:fld id="{B61BEF0D-F0BB-DE4B-95CE-6DB70DBA9567}" type="datetimeFigureOut">
               <a:rPr lang="en-US" dirty="0"/>
               <a:pPr/>
-              <a:t>1/10/2017</a:t>
+              <a:t>1/11/2017</a:t>
             </a:fld>
             <a:endParaRPr lang="en-US" dirty="0"/>
           </a:p>
@@ -3838,7 +3840,7 @@
             <a:fld id="{B61BEF0D-F0BB-DE4B-95CE-6DB70DBA9567}" type="datetimeFigureOut">
               <a:rPr lang="en-US" dirty="0"/>
               <a:pPr/>
-              <a:t>1/10/2017</a:t>
+              <a:t>1/11/2017</a:t>
             </a:fld>
             <a:endParaRPr lang="en-US" dirty="0"/>
           </a:p>
@@ -4277,7 +4279,7 @@
             <a:fld id="{B61BEF0D-F0BB-DE4B-95CE-6DB70DBA9567}" type="datetimeFigureOut">
               <a:rPr lang="en-US" dirty="0"/>
               <a:pPr/>
-              <a:t>1/10/2017</a:t>
+              <a:t>1/11/2017</a:t>
             </a:fld>
             <a:endParaRPr lang="en-US" dirty="0"/>
           </a:p>
@@ -4392,7 +4394,7 @@
             <a:fld id="{B61BEF0D-F0BB-DE4B-95CE-6DB70DBA9567}" type="datetimeFigureOut">
               <a:rPr lang="en-US" dirty="0"/>
               <a:pPr/>
-              <a:t>1/10/2017</a:t>
+              <a:t>1/11/2017</a:t>
             </a:fld>
             <a:endParaRPr lang="en-US" dirty="0"/>
           </a:p>
@@ -4484,7 +4486,7 @@
             <a:fld id="{B61BEF0D-F0BB-DE4B-95CE-6DB70DBA9567}" type="datetimeFigureOut">
               <a:rPr lang="en-US" dirty="0"/>
               <a:pPr/>
-              <a:t>1/10/2017</a:t>
+              <a:t>1/11/2017</a:t>
             </a:fld>
             <a:endParaRPr lang="en-US" dirty="0"/>
           </a:p>
@@ -4764,7 +4766,7 @@
             <a:fld id="{B61BEF0D-F0BB-DE4B-95CE-6DB70DBA9567}" type="datetimeFigureOut">
               <a:rPr lang="en-US" dirty="0"/>
               <a:pPr/>
-              <a:t>1/10/2017</a:t>
+              <a:t>1/11/2017</a:t>
             </a:fld>
             <a:endParaRPr lang="en-US" dirty="0"/>
           </a:p>
@@ -5052,7 +5054,7 @@
             <a:fld id="{B61BEF0D-F0BB-DE4B-95CE-6DB70DBA9567}" type="datetimeFigureOut">
               <a:rPr lang="en-US" dirty="0"/>
               <a:pPr/>
-              <a:t>1/10/2017</a:t>
+              <a:t>1/11/2017</a:t>
             </a:fld>
             <a:endParaRPr lang="en-US" dirty="0"/>
           </a:p>
@@ -5579,7 +5581,7 @@
             <a:fld id="{B61BEF0D-F0BB-DE4B-95CE-6DB70DBA9567}" type="datetimeFigureOut">
               <a:rPr lang="en-US" dirty="0"/>
               <a:pPr/>
-              <a:t>1/10/2017</a:t>
+              <a:t>1/11/2017</a:t>
             </a:fld>
             <a:endParaRPr lang="en-US" dirty="0"/>
           </a:p>
@@ -6322,17 +6324,161 @@
       </p:grpSpPr>
       <p:sp>
         <p:nvSpPr>
-          <p:cNvPr id="2" name="1 Título"/>
-          <p:cNvSpPr>
-            <a:spLocks noGrp="1"/>
-          </p:cNvSpPr>
-          <p:nvPr>
-            <p:ph type="title"/>
+          <p:cNvPr id="3" name="2 Marcador de contenido"/>
+          <p:cNvSpPr>
+            <a:spLocks noGrp="1"/>
+          </p:cNvSpPr>
+          <p:nvPr>
+            <p:ph idx="1"/>
           </p:nvPr>
         </p:nvSpPr>
         <p:spPr>
           <a:xfrm>
-            <a:off x="52127" y="211617"/>
+            <a:off x="1411574" y="1201881"/>
+            <a:ext cx="10018713" cy="4149437"/>
+          </a:xfrm>
+        </p:spPr>
+        <p:txBody>
+          <a:bodyPr/>
+          <a:lstStyle/>
+          <a:p>
+            <a:r>
+              <a:rPr lang="es-EC" dirty="0"/>
+              <a:t>Turtle: que nos permitirá  dar movimiento a la imagen como por ejemplo avance, retroceso o giro.  Y también dibujar cualquier tipo de figuras.</a:t>
+            </a:r>
+          </a:p>
+          <a:p>
+            <a:endParaRPr lang="es-EC" dirty="0"/>
+          </a:p>
+          <a:p>
+            <a:endParaRPr lang="es-EC" dirty="0"/>
+          </a:p>
+          <a:p>
+            <a:endParaRPr lang="es-EC" dirty="0"/>
+          </a:p>
+          <a:p>
+            <a:endParaRPr lang="es-EC" dirty="0"/>
+          </a:p>
+          <a:p>
+            <a:r>
+              <a:rPr lang="es-EC" dirty="0"/>
+              <a:t>Entre otras </a:t>
+            </a:r>
+            <a:r>
+              <a:rPr lang="es-EC" dirty="0" smtClean="0"/>
+              <a:t>librerías, como random, etc.</a:t>
+            </a:r>
+            <a:endParaRPr lang="es-EC" dirty="0"/>
+          </a:p>
+          <a:p>
+            <a:endParaRPr lang="es-EC" dirty="0"/>
+          </a:p>
+        </p:txBody>
+      </p:sp>
+      <p:pic>
+        <p:nvPicPr>
+          <p:cNvPr id="1026" name="Picture 2"/>
+          <p:cNvPicPr>
+            <a:picLocks noChangeAspect="1" noChangeArrowheads="1"/>
+          </p:cNvPicPr>
+          <p:nvPr/>
+        </p:nvPicPr>
+        <p:blipFill>
+          <a:blip r:embed="rId2">
+            <a:extLst>
+              <a:ext uri="{28A0092B-C50C-407E-A947-70E740481C1C}">
+                <a14:useLocalDpi xmlns:a14="http://schemas.microsoft.com/office/drawing/2010/main" val="0"/>
+              </a:ext>
+            </a:extLst>
+          </a:blip>
+          <a:srcRect/>
+          <a:stretch>
+            <a:fillRect/>
+          </a:stretch>
+        </p:blipFill>
+        <p:spPr bwMode="auto">
+          <a:xfrm>
+            <a:off x="4362017" y="2224519"/>
+            <a:ext cx="3379210" cy="1768332"/>
+          </a:xfrm>
+          <a:prstGeom prst="rect">
+            <a:avLst/>
+          </a:prstGeom>
+          <a:ln w="38100" cap="sq">
+            <a:solidFill>
+              <a:srgbClr val="000000"/>
+            </a:solidFill>
+            <a:prstDash val="solid"/>
+            <a:miter lim="800000"/>
+          </a:ln>
+          <a:effectLst>
+            <a:outerShdw blurRad="50800" dist="38100" dir="2700000" algn="tl" rotWithShape="0">
+              <a:srgbClr val="000000">
+                <a:alpha val="43000"/>
+              </a:srgbClr>
+            </a:outerShdw>
+          </a:effectLst>
+          <a:extLst>
+            <a:ext uri="{909E8E84-426E-40DD-AFC4-6F175D3DCCD1}">
+              <a14:hiddenFill xmlns:a14="http://schemas.microsoft.com/office/drawing/2010/main">
+                <a:solidFill>
+                  <a:schemeClr val="accent1"/>
+                </a:solidFill>
+              </a14:hiddenFill>
+            </a:ext>
+          </a:extLst>
+        </p:spPr>
+      </p:pic>
+    </p:spTree>
+    <p:extLst>
+      <p:ext uri="{BB962C8B-B14F-4D97-AF65-F5344CB8AC3E}">
+        <p14:creationId xmlns:p14="http://schemas.microsoft.com/office/powerpoint/2010/main" val="118695316"/>
+      </p:ext>
+    </p:extLst>
+  </p:cSld>
+  <p:clrMapOvr>
+    <a:masterClrMapping/>
+  </p:clrMapOvr>
+  <p:timing>
+    <p:tnLst>
+      <p:par>
+        <p:cTn id="1" dur="indefinite" restart="never" nodeType="tmRoot"/>
+      </p:par>
+    </p:tnLst>
+  </p:timing>
+</p:sld>
+</file>
+
+<file path=ppt/slides/slide11.xml><?xml version="1.0" encoding="utf-8"?>
+<p:sld xmlns:a="http://schemas.openxmlformats.org/drawingml/2006/main" xmlns:r="http://schemas.openxmlformats.org/officeDocument/2006/relationships" xmlns:p="http://schemas.openxmlformats.org/presentationml/2006/main">
+  <p:cSld>
+    <p:spTree>
+      <p:nvGrpSpPr>
+        <p:cNvPr id="1" name=""/>
+        <p:cNvGrpSpPr/>
+        <p:nvPr/>
+      </p:nvGrpSpPr>
+      <p:grpSpPr>
+        <a:xfrm>
+          <a:off x="0" y="0"/>
+          <a:ext cx="0" cy="0"/>
+          <a:chOff x="0" y="0"/>
+          <a:chExt cx="0" cy="0"/>
+        </a:xfrm>
+      </p:grpSpPr>
+      <p:sp>
+        <p:nvSpPr>
+          <p:cNvPr id="2" name="1 Título"/>
+          <p:cNvSpPr>
+            <a:spLocks noGrp="1"/>
+          </p:cNvSpPr>
+          <p:nvPr>
+            <p:ph type="title"/>
+          </p:nvPr>
+        </p:nvSpPr>
+        <p:spPr>
+          <a:xfrm>
+            <a:off x="759263" y="175616"/>
             <a:ext cx="10018713" cy="1752599"/>
           </a:xfrm>
         </p:spPr>
@@ -6360,13 +6506,13 @@
         </p:nvSpPr>
         <p:spPr>
           <a:xfrm>
-            <a:off x="551249" y="1864566"/>
+            <a:off x="609881" y="1483015"/>
             <a:ext cx="10018713" cy="3124201"/>
           </a:xfrm>
         </p:spPr>
         <p:txBody>
           <a:bodyPr>
-            <a:normAutofit/>
+            <a:normAutofit fontScale="92500"/>
           </a:bodyPr>
           <a:lstStyle/>
           <a:p>
@@ -6379,20 +6525,12 @@
           <a:p>
             <a:r>
               <a:rPr lang="es-EC" dirty="0"/>
-              <a:t>Para poder mostrar un fondo para el juego debemos utilizar imágenes de tipo </a:t>
-            </a:r>
-            <a:r>
-              <a:rPr lang="es-EC" dirty="0" err="1"/>
-              <a:t>png</a:t>
-            </a:r>
-            <a:r>
-              <a:rPr lang="es-EC" dirty="0"/>
-              <a:t>, podemos agregar cualquier imagen </a:t>
-            </a:r>
-          </a:p>
-          <a:p>
-            <a:r>
-              <a:rPr lang="es-EC" dirty="0"/>
+              <a:t>Para poder mostrar un fondo para el juego se puede utilizar imágenes de diferentes tipos como PNG, JPEG, GIF, TGA, entre otras, la importación, exportación y tratamiento de diferentes tipos de imágenes nos permite Pygame.</a:t>
+            </a:r>
+          </a:p>
+          <a:p>
+            <a:r>
+              <a:rPr lang="es-EC" dirty="0" smtClean="0"/>
               <a:t>Podemos elegir entre diferentes imágenes  para  el fondo. Depende  de que tratara el juego, como el juego que realizaremos es de un poco de acción y búsqueda.</a:t>
             </a:r>
           </a:p>
@@ -6491,7 +6629,7 @@
 </p:sld>
 </file>
 
-<file path=ppt/slides/slide11.xml><?xml version="1.0" encoding="utf-8"?>
+<file path=ppt/slides/slide12.xml><?xml version="1.0" encoding="utf-8"?>
 <p:sld xmlns:a="http://schemas.openxmlformats.org/drawingml/2006/main" xmlns:r="http://schemas.openxmlformats.org/officeDocument/2006/relationships" xmlns:p="http://schemas.openxmlformats.org/presentationml/2006/main">
   <p:cSld>
     <p:spTree>
@@ -6538,7 +6676,15 @@
           <a:p>
             <a:r>
               <a:rPr lang="es-EC" dirty="0"/>
-              <a:t>Para este juego se creara obstáculos,  estos bloques impiden el paso del personaje hasta llegar a la estrella, los bloques pueden estar apilados para crear un  especie de  pared.</a:t>
+              <a:t>Para este juego se creara obstáculos,  estos bloques impiden el paso del personaje hasta llegar a la </a:t>
+            </a:r>
+            <a:r>
+              <a:rPr lang="es-EC" dirty="0" smtClean="0"/>
+              <a:t>moneda, </a:t>
+            </a:r>
+            <a:r>
+              <a:rPr lang="es-EC" dirty="0"/>
+              <a:t>los bloques pueden estar apilados para crear un  especie de  pared.</a:t>
             </a:r>
           </a:p>
           <a:p>
@@ -6728,7 +6874,7 @@
 </p:sld>
 </file>
 
-<file path=ppt/slides/slide12.xml><?xml version="1.0" encoding="utf-8"?>
+<file path=ppt/slides/slide13.xml><?xml version="1.0" encoding="utf-8"?>
 <p:sld xmlns:a="http://schemas.openxmlformats.org/drawingml/2006/main" xmlns:r="http://schemas.openxmlformats.org/officeDocument/2006/relationships" xmlns:p="http://schemas.openxmlformats.org/presentationml/2006/main">
   <p:cSld>
     <p:spTree>
@@ -6747,6 +6893,116 @@
       </p:grpSpPr>
       <p:sp>
         <p:nvSpPr>
+          <p:cNvPr id="3" name="Marcador de contenido 2"/>
+          <p:cNvSpPr>
+            <a:spLocks noGrp="1"/>
+          </p:cNvSpPr>
+          <p:nvPr>
+            <p:ph idx="1"/>
+          </p:nvPr>
+        </p:nvSpPr>
+        <p:spPr>
+          <a:xfrm>
+            <a:off x="1484310" y="1"/>
+            <a:ext cx="10018713" cy="5791200"/>
+          </a:xfrm>
+        </p:spPr>
+        <p:txBody>
+          <a:bodyPr/>
+          <a:lstStyle/>
+          <a:p>
+            <a:pPr marL="0" indent="0">
+              <a:buNone/>
+            </a:pPr>
+            <a:endParaRPr lang="es-EC" b="1" dirty="0" smtClean="0"/>
+          </a:p>
+          <a:p>
+            <a:r>
+              <a:rPr lang="es-EC" b="1" dirty="0" smtClean="0"/>
+              <a:t>Audio</a:t>
+            </a:r>
+            <a:endParaRPr lang="es-EC" b="1" dirty="0"/>
+          </a:p>
+          <a:p>
+            <a:r>
+              <a:rPr lang="es-EC" dirty="0" smtClean="0"/>
+              <a:t>canción </a:t>
+            </a:r>
+            <a:r>
+              <a:rPr lang="es-EC" dirty="0"/>
+              <a:t>para que se reproduzca mientras el jugador está en el juego, Pygame nos permite la reproducción de música de fondo de tipo OGG, MP3 Y MIDI, el tipo OGG es un formato sin compresión como es el caso del MP3 en el cual se escucha de mejor calidad el sonido y el formato MIDI se trata de música instrumental digital. </a:t>
+            </a:r>
+          </a:p>
+          <a:p>
+            <a:endParaRPr lang="es-EC" dirty="0"/>
+          </a:p>
+        </p:txBody>
+      </p:sp>
+      <p:pic>
+        <p:nvPicPr>
+          <p:cNvPr id="10" name="Imagen 9" descr="Resultado de imagen para mp3 png"/>
+          <p:cNvPicPr/>
+          <p:nvPr/>
+        </p:nvPicPr>
+        <p:blipFill>
+          <a:blip r:embed="rId2" cstate="print">
+            <a:extLst>
+              <a:ext uri="{28A0092B-C50C-407E-A947-70E740481C1C}">
+                <a14:useLocalDpi xmlns:a14="http://schemas.microsoft.com/office/drawing/2010/main" val="0"/>
+              </a:ext>
+            </a:extLst>
+          </a:blip>
+          <a:srcRect/>
+          <a:stretch>
+            <a:fillRect/>
+          </a:stretch>
+        </p:blipFill>
+        <p:spPr bwMode="auto">
+          <a:xfrm>
+            <a:off x="8458962" y="4877562"/>
+            <a:ext cx="1638300" cy="1638300"/>
+          </a:xfrm>
+          <a:prstGeom prst="rect">
+            <a:avLst/>
+          </a:prstGeom>
+          <a:noFill/>
+          <a:ln>
+            <a:noFill/>
+          </a:ln>
+        </p:spPr>
+      </p:pic>
+    </p:spTree>
+    <p:extLst>
+      <p:ext uri="{BB962C8B-B14F-4D97-AF65-F5344CB8AC3E}">
+        <p14:creationId xmlns:p14="http://schemas.microsoft.com/office/powerpoint/2010/main" val="2176167604"/>
+      </p:ext>
+    </p:extLst>
+  </p:cSld>
+  <p:clrMapOvr>
+    <a:masterClrMapping/>
+  </p:clrMapOvr>
+</p:sld>
+</file>
+
+<file path=ppt/slides/slide14.xml><?xml version="1.0" encoding="utf-8"?>
+<p:sld xmlns:a="http://schemas.openxmlformats.org/drawingml/2006/main" xmlns:r="http://schemas.openxmlformats.org/officeDocument/2006/relationships" xmlns:p="http://schemas.openxmlformats.org/presentationml/2006/main">
+  <p:cSld>
+    <p:spTree>
+      <p:nvGrpSpPr>
+        <p:cNvPr id="1" name=""/>
+        <p:cNvGrpSpPr/>
+        <p:nvPr/>
+      </p:nvGrpSpPr>
+      <p:grpSpPr>
+        <a:xfrm>
+          <a:off x="0" y="0"/>
+          <a:ext cx="0" cy="0"/>
+          <a:chOff x="0" y="0"/>
+          <a:chExt cx="0" cy="0"/>
+        </a:xfrm>
+      </p:grpSpPr>
+      <p:sp>
+        <p:nvSpPr>
           <p:cNvPr id="2" name="Título 1"/>
           <p:cNvSpPr>
             <a:spLocks noGrp="1"/>
@@ -6774,21 +7030,22 @@
       </p:sp>
       <p:pic>
         <p:nvPicPr>
-          <p:cNvPr id="3" name="Imagen 2"/>
+          <p:cNvPr id="4" name="Imagen 3"/>
           <p:cNvPicPr>
             <a:picLocks noChangeAspect="1"/>
           </p:cNvPicPr>
           <p:nvPr/>
         </p:nvPicPr>
-        <p:blipFill rotWithShape="1">
+        <p:blipFill>
           <a:blip r:embed="rId2"/>
-          <a:srcRect l="2859" t="7097" r="2246" b="2323"/>
-          <a:stretch/>
+          <a:stretch>
+            <a:fillRect/>
+          </a:stretch>
         </p:blipFill>
         <p:spPr>
           <a:xfrm>
-            <a:off x="1430593" y="1450257"/>
-            <a:ext cx="9969909" cy="4567085"/>
+            <a:off x="1720286" y="1248160"/>
+            <a:ext cx="8911796" cy="5272088"/>
           </a:xfrm>
           <a:prstGeom prst="rect">
             <a:avLst/>
@@ -6815,7 +7072,7 @@
 </p:sld>
 </file>
 
-<file path=ppt/slides/slide13.xml><?xml version="1.0" encoding="utf-8"?>
+<file path=ppt/slides/slide15.xml><?xml version="1.0" encoding="utf-8"?>
 <p:sld xmlns:a="http://schemas.openxmlformats.org/drawingml/2006/main" xmlns:r="http://schemas.openxmlformats.org/officeDocument/2006/relationships" xmlns:p="http://schemas.openxmlformats.org/presentationml/2006/main">
   <p:cSld>
     <p:spTree>
@@ -6863,7 +7120,7 @@
       </p:sp>
       <p:pic>
         <p:nvPicPr>
-          <p:cNvPr id="4" name="Imagen 3"/>
+          <p:cNvPr id="5" name="Imagen 4"/>
           <p:cNvPicPr>
             <a:picLocks noChangeAspect="1"/>
           </p:cNvPicPr>
@@ -6877,8 +7134,8 @@
         </p:blipFill>
         <p:spPr>
           <a:xfrm>
-            <a:off x="1469461" y="748019"/>
-            <a:ext cx="10491481" cy="5623284"/>
+            <a:off x="1242368" y="748019"/>
+            <a:ext cx="10513026" cy="5693970"/>
           </a:xfrm>
           <a:prstGeom prst="rect">
             <a:avLst/>
@@ -7739,7 +7996,7 @@
           </a:p>
           <a:p>
             <a:r>
-              <a:rPr lang="es-EC" dirty="0" err="1" smtClean="0"/>
+              <a:rPr lang="es-EC" dirty="0" smtClean="0"/>
               <a:t>Pygame</a:t>
             </a:r>
             <a:r>
@@ -7846,7 +8103,7 @@
       </p:grpSpPr>
       <p:sp>
         <p:nvSpPr>
-          <p:cNvPr id="3" name="2 Marcador de contenido"/>
+          <p:cNvPr id="3" name="Marcador de contenido 2"/>
           <p:cNvSpPr>
             <a:spLocks noGrp="1"/>
           </p:cNvSpPr>
@@ -7856,118 +8113,66 @@
         </p:nvSpPr>
         <p:spPr>
           <a:xfrm>
-            <a:off x="1411574" y="1201881"/>
-            <a:ext cx="10018713" cy="4149437"/>
+            <a:off x="972246" y="630935"/>
+            <a:ext cx="10018713" cy="4733545"/>
           </a:xfrm>
         </p:spPr>
         <p:txBody>
-          <a:bodyPr/>
+          <a:bodyPr>
+            <a:normAutofit/>
+          </a:bodyPr>
           <a:lstStyle/>
           <a:p>
             <a:r>
+              <a:rPr lang="es-EC" b="1" i="1" dirty="0"/>
+              <a:t>Ventajas </a:t>
+            </a:r>
+          </a:p>
+          <a:p>
+            <a:r>
               <a:rPr lang="es-EC" dirty="0"/>
-              <a:t>Turtle: que nos permitirá  dar movimiento a la imagen como por ejemplo avance, retroceso o giro.  Y también dibujar cualquier tipo de figuras.</a:t>
+              <a:t>Es multiplataforma, ya que se encuentra compactible para cualquier sistema operativo, como Linux, Mac, Windows, entre otros.</a:t>
+            </a:r>
+          </a:p>
+          <a:p>
+            <a:r>
+              <a:rPr lang="es-EC" dirty="0"/>
+              <a:t>La utilización del mismo es simple y fácil, permitiéndonos conocer sobre el mundo del desarrollo de juegos.</a:t>
+            </a:r>
+          </a:p>
+          <a:p>
+            <a:r>
+              <a:rPr lang="es-EC" b="1" i="1" dirty="0"/>
+              <a:t>Inconvenientes</a:t>
+            </a:r>
+          </a:p>
+          <a:p>
+            <a:r>
+              <a:rPr lang="es-EC" dirty="0"/>
+              <a:t>Pygame es una librería que se soporta solo para segunda dimensión </a:t>
+            </a:r>
+          </a:p>
+          <a:p>
+            <a:r>
+              <a:rPr lang="es-EC" dirty="0"/>
+              <a:t>Se necesita el apoyo de otras librerías para optimizar el proyecto o juego, por ejemplo, en la gestión de sonido, ya que Pygame contiene sonido, pero no de muy buena calidad.</a:t>
             </a:r>
           </a:p>
           <a:p>
             <a:endParaRPr lang="es-EC" dirty="0"/>
           </a:p>
-          <a:p>
-            <a:endParaRPr lang="es-EC" dirty="0"/>
-          </a:p>
-          <a:p>
-            <a:endParaRPr lang="es-EC" dirty="0"/>
-          </a:p>
-          <a:p>
-            <a:endParaRPr lang="es-EC" dirty="0"/>
-          </a:p>
-          <a:p>
-            <a:r>
-              <a:rPr lang="es-EC" dirty="0"/>
-              <a:t>Entre otras </a:t>
-            </a:r>
-            <a:r>
-              <a:rPr lang="es-EC" dirty="0" smtClean="0"/>
-              <a:t>librerías, como random, etc.</a:t>
-            </a:r>
-            <a:endParaRPr lang="es-EC" dirty="0"/>
-          </a:p>
-          <a:p>
-            <a:endParaRPr lang="es-EC" dirty="0"/>
-          </a:p>
-        </p:txBody>
-      </p:sp>
-      <p:pic>
-        <p:nvPicPr>
-          <p:cNvPr id="1026" name="Picture 2"/>
-          <p:cNvPicPr>
-            <a:picLocks noChangeAspect="1" noChangeArrowheads="1"/>
-          </p:cNvPicPr>
-          <p:nvPr/>
-        </p:nvPicPr>
-        <p:blipFill>
-          <a:blip r:embed="rId2">
-            <a:extLst>
-              <a:ext uri="{28A0092B-C50C-407E-A947-70E740481C1C}">
-                <a14:useLocalDpi xmlns:a14="http://schemas.microsoft.com/office/drawing/2010/main" val="0"/>
-              </a:ext>
-            </a:extLst>
-          </a:blip>
-          <a:srcRect/>
-          <a:stretch>
-            <a:fillRect/>
-          </a:stretch>
-        </p:blipFill>
-        <p:spPr bwMode="auto">
-          <a:xfrm>
-            <a:off x="4362017" y="2224519"/>
-            <a:ext cx="3379210" cy="1768332"/>
-          </a:xfrm>
-          <a:prstGeom prst="rect">
-            <a:avLst/>
-          </a:prstGeom>
-          <a:ln w="38100" cap="sq">
-            <a:solidFill>
-              <a:srgbClr val="000000"/>
-            </a:solidFill>
-            <a:prstDash val="solid"/>
-            <a:miter lim="800000"/>
-          </a:ln>
-          <a:effectLst>
-            <a:outerShdw blurRad="50800" dist="38100" dir="2700000" algn="tl" rotWithShape="0">
-              <a:srgbClr val="000000">
-                <a:alpha val="43000"/>
-              </a:srgbClr>
-            </a:outerShdw>
-          </a:effectLst>
-          <a:extLst>
-            <a:ext uri="{909E8E84-426E-40DD-AFC4-6F175D3DCCD1}">
-              <a14:hiddenFill xmlns:a14="http://schemas.microsoft.com/office/drawing/2010/main">
-                <a:solidFill>
-                  <a:schemeClr val="accent1"/>
-                </a:solidFill>
-              </a14:hiddenFill>
-            </a:ext>
-          </a:extLst>
-        </p:spPr>
-      </p:pic>
+        </p:txBody>
+      </p:sp>
     </p:spTree>
     <p:extLst>
       <p:ext uri="{BB962C8B-B14F-4D97-AF65-F5344CB8AC3E}">
-        <p14:creationId xmlns:p14="http://schemas.microsoft.com/office/powerpoint/2010/main" val="118695316"/>
+        <p14:creationId xmlns:p14="http://schemas.microsoft.com/office/powerpoint/2010/main" val="2025879763"/>
       </p:ext>
     </p:extLst>
   </p:cSld>
   <p:clrMapOvr>
     <a:masterClrMapping/>
   </p:clrMapOvr>
-  <p:timing>
-    <p:tnLst>
-      <p:par>
-        <p:cTn id="1" dur="indefinite" restart="never" nodeType="tmRoot"/>
-      </p:par>
-    </p:tnLst>
-  </p:timing>
 </p:sld>
 </file>
 
@@ -8221,7 +8426,7 @@
   <a:extraClrSchemeLst/>
   <a:extLst>
     <a:ext uri="{05A4C25C-085E-4340-85A3-A5531E510DB2}">
-      <thm15:themeFamily xmlns="" xmlns:thm15="http://schemas.microsoft.com/office/thememl/2012/main" name="Parallax" id="{3388167B-A2EB-4685-9635-1831D9AEF8C4}" vid="{4F7A876A-7598-49CA-AFC8-8EDA2551E4A7}"/>
+      <thm15:themeFamily xmlns:thm15="http://schemas.microsoft.com/office/thememl/2012/main" name="Parallax" id="{3388167B-A2EB-4685-9635-1831D9AEF8C4}" vid="{4F7A876A-7598-49CA-AFC8-8EDA2551E4A7}"/>
     </a:ext>
   </a:extLst>
 </a:theme>
